--- a/好好的過.pptx
+++ b/好好的過.pptx
@@ -5,10 +5,15 @@
     <p:sldMasterId id="2147483660" r:id="rId1"/>
   </p:sldMasterIdLst>
   <p:sldIdLst>
-    <p:sldId id="257" r:id="rId2"/>
-    <p:sldId id="258" r:id="rId3"/>
-    <p:sldId id="259" r:id="rId4"/>
-    <p:sldId id="260" r:id="rId5"/>
+    <p:sldId id="261" r:id="rId2"/>
+    <p:sldId id="262" r:id="rId3"/>
+    <p:sldId id="263" r:id="rId4"/>
+    <p:sldId id="264" r:id="rId5"/>
+    <p:sldId id="265" r:id="rId6"/>
+    <p:sldId id="266" r:id="rId7"/>
+    <p:sldId id="267" r:id="rId8"/>
+    <p:sldId id="268" r:id="rId9"/>
+    <p:sldId id="269" r:id="rId10"/>
   </p:sldIdLst>
   <p:sldSz cx="12192000" cy="6858000"/>
   <p:notesSz cx="6858000" cy="9144000"/>
@@ -107,6 +112,11 @@
       </a:defRPr>
     </a:lvl9pPr>
   </p:defaultTextStyle>
+  <p:extLst>
+    <p:ext uri="{EFAFB233-063F-42B5-8137-9DF3F51BA10A}">
+      <p15:sldGuideLst xmlns:p15="http://schemas.microsoft.com/office/powerpoint/2012/main"/>
+    </p:ext>
+  </p:extLst>
 </p:presentation>
 </file>
 
@@ -291,7 +301,7 @@
           <a:p>
             <a:fld id="{8FA75260-0806-44B0-B890-B93194AAAFD6}" type="datetimeFigureOut">
               <a:rPr lang="vi-VN" smtClean="0"/>
-              <a:t>14/03/2020</a:t>
+              <a:t>24/10/2020</a:t>
             </a:fld>
             <a:endParaRPr lang="vi-VN"/>
           </a:p>
@@ -461,7 +471,7 @@
           <a:p>
             <a:fld id="{8FA75260-0806-44B0-B890-B93194AAAFD6}" type="datetimeFigureOut">
               <a:rPr lang="vi-VN" smtClean="0"/>
-              <a:t>14/03/2020</a:t>
+              <a:t>24/10/2020</a:t>
             </a:fld>
             <a:endParaRPr lang="vi-VN"/>
           </a:p>
@@ -641,7 +651,7 @@
           <a:p>
             <a:fld id="{8FA75260-0806-44B0-B890-B93194AAAFD6}" type="datetimeFigureOut">
               <a:rPr lang="vi-VN" smtClean="0"/>
-              <a:t>14/03/2020</a:t>
+              <a:t>24/10/2020</a:t>
             </a:fld>
             <a:endParaRPr lang="vi-VN"/>
           </a:p>
@@ -811,7 +821,7 @@
           <a:p>
             <a:fld id="{8FA75260-0806-44B0-B890-B93194AAAFD6}" type="datetimeFigureOut">
               <a:rPr lang="vi-VN" smtClean="0"/>
-              <a:t>14/03/2020</a:t>
+              <a:t>24/10/2020</a:t>
             </a:fld>
             <a:endParaRPr lang="vi-VN"/>
           </a:p>
@@ -1057,7 +1067,7 @@
           <a:p>
             <a:fld id="{8FA75260-0806-44B0-B890-B93194AAAFD6}" type="datetimeFigureOut">
               <a:rPr lang="vi-VN" smtClean="0"/>
-              <a:t>14/03/2020</a:t>
+              <a:t>24/10/2020</a:t>
             </a:fld>
             <a:endParaRPr lang="vi-VN"/>
           </a:p>
@@ -1345,7 +1355,7 @@
           <a:p>
             <a:fld id="{8FA75260-0806-44B0-B890-B93194AAAFD6}" type="datetimeFigureOut">
               <a:rPr lang="vi-VN" smtClean="0"/>
-              <a:t>14/03/2020</a:t>
+              <a:t>24/10/2020</a:t>
             </a:fld>
             <a:endParaRPr lang="vi-VN"/>
           </a:p>
@@ -1767,7 +1777,7 @@
           <a:p>
             <a:fld id="{8FA75260-0806-44B0-B890-B93194AAAFD6}" type="datetimeFigureOut">
               <a:rPr lang="vi-VN" smtClean="0"/>
-              <a:t>14/03/2020</a:t>
+              <a:t>24/10/2020</a:t>
             </a:fld>
             <a:endParaRPr lang="vi-VN"/>
           </a:p>
@@ -1885,7 +1895,7 @@
           <a:p>
             <a:fld id="{8FA75260-0806-44B0-B890-B93194AAAFD6}" type="datetimeFigureOut">
               <a:rPr lang="vi-VN" smtClean="0"/>
-              <a:t>14/03/2020</a:t>
+              <a:t>24/10/2020</a:t>
             </a:fld>
             <a:endParaRPr lang="vi-VN"/>
           </a:p>
@@ -1980,7 +1990,7 @@
           <a:p>
             <a:fld id="{8FA75260-0806-44B0-B890-B93194AAAFD6}" type="datetimeFigureOut">
               <a:rPr lang="vi-VN" smtClean="0"/>
-              <a:t>14/03/2020</a:t>
+              <a:t>24/10/2020</a:t>
             </a:fld>
             <a:endParaRPr lang="vi-VN"/>
           </a:p>
@@ -2257,7 +2267,7 @@
           <a:p>
             <a:fld id="{8FA75260-0806-44B0-B890-B93194AAAFD6}" type="datetimeFigureOut">
               <a:rPr lang="vi-VN" smtClean="0"/>
-              <a:t>14/03/2020</a:t>
+              <a:t>24/10/2020</a:t>
             </a:fld>
             <a:endParaRPr lang="vi-VN"/>
           </a:p>
@@ -2514,7 +2524,7 @@
           <a:p>
             <a:fld id="{8FA75260-0806-44B0-B890-B93194AAAFD6}" type="datetimeFigureOut">
               <a:rPr lang="vi-VN" smtClean="0"/>
-              <a:t>14/03/2020</a:t>
+              <a:t>24/10/2020</a:t>
             </a:fld>
             <a:endParaRPr lang="vi-VN"/>
           </a:p>
@@ -2732,7 +2742,7 @@
           <a:p>
             <a:fld id="{8FA75260-0806-44B0-B890-B93194AAAFD6}" type="datetimeFigureOut">
               <a:rPr lang="vi-VN" smtClean="0"/>
-              <a:t>14/03/2020</a:t>
+              <a:t>24/10/2020</a:t>
             </a:fld>
             <a:endParaRPr lang="vi-VN"/>
           </a:p>
@@ -3109,7 +3119,7 @@
       </p:grpSpPr>
       <p:sp>
         <p:nvSpPr>
-          <p:cNvPr id="2" name="Title 1"/>
+          <p:cNvPr id="4" name="標題 3"/>
           <p:cNvSpPr>
             <a:spLocks noGrp="1"/>
           </p:cNvSpPr>
@@ -3117,159 +3127,65 @@
             <p:ph type="title"/>
           </p:nvPr>
         </p:nvSpPr>
-        <p:spPr/>
+        <p:spPr>
+          <a:xfrm>
+            <a:off x="0" y="2857513"/>
+            <a:ext cx="12192000" cy="1143000"/>
+          </a:xfrm>
+        </p:spPr>
         <p:txBody>
           <a:bodyPr>
-            <a:normAutofit/>
+            <a:noAutofit/>
           </a:bodyPr>
           <a:lstStyle/>
           <a:p>
             <a:r>
-              <a:rPr lang="zh-CN" altLang="en-US" sz="4800" b="1" dirty="0">
-                <a:latin typeface="Microsoft JhengHei" panose="020B0604030504040204" pitchFamily="34" charset="-120"/>
-                <a:ea typeface="Microsoft JhengHei" panose="020B0604030504040204" pitchFamily="34" charset="-120"/>
+              <a:rPr lang="zh-CN" altLang="en-US" sz="7200" b="1" i="1" dirty="0">
+                <a:solidFill>
+                  <a:srgbClr val="000066"/>
+                </a:solidFill>
+                <a:effectLst>
+                  <a:outerShdw blurRad="38100" dist="38100" dir="2700000" algn="tl">
+                    <a:srgbClr val="000000">
+                      <a:alpha val="43137"/>
+                    </a:srgbClr>
+                  </a:outerShdw>
+                </a:effectLst>
+                <a:latin typeface="微軟正黑體" pitchFamily="34" charset="-120"/>
+                <a:ea typeface="微軟正黑體" pitchFamily="34" charset="-120"/>
               </a:rPr>
-              <a:t>好好的過</a:t>
-            </a:r>
-            <a:endParaRPr lang="vi-VN" sz="4800" b="1" dirty="0">
-              <a:ea typeface="Microsoft JhengHei" panose="020B0604030504040204" pitchFamily="34" charset="-120"/>
-            </a:endParaRPr>
-          </a:p>
-        </p:txBody>
-      </p:sp>
-      <p:sp>
-        <p:nvSpPr>
-          <p:cNvPr id="3" name="Content Placeholder 2"/>
-          <p:cNvSpPr>
-            <a:spLocks noGrp="1"/>
-          </p:cNvSpPr>
-          <p:nvPr>
-            <p:ph idx="1"/>
-          </p:nvPr>
-        </p:nvSpPr>
-        <p:spPr/>
-        <p:txBody>
-          <a:bodyPr>
-            <a:normAutofit/>
-          </a:bodyPr>
-          <a:lstStyle/>
-          <a:p>
-            <a:pPr marL="0" indent="0" algn="ctr">
-              <a:buNone/>
-            </a:pPr>
-            <a:r>
-              <a:rPr lang="zh-TW" altLang="en-US" sz="5400" b="1" dirty="0">
-                <a:latin typeface="Microsoft JhengHei" panose="020B0604030504040204" pitchFamily="34" charset="-120"/>
-                <a:ea typeface="Microsoft JhengHei" panose="020B0604030504040204" pitchFamily="34" charset="-120"/>
+              <a:t>好</a:t>
+            </a:r>
+            <a:r>
+              <a:rPr lang="zh-CN" altLang="en-US" sz="7200" b="1" i="1" dirty="0">
+                <a:solidFill>
+                  <a:srgbClr val="000066"/>
+                </a:solidFill>
+                <a:effectLst>
+                  <a:outerShdw blurRad="38100" dist="38100" dir="2700000" algn="tl">
+                    <a:srgbClr val="000000">
+                      <a:alpha val="43137"/>
+                    </a:srgbClr>
+                  </a:outerShdw>
+                </a:effectLst>
+                <a:latin typeface="微軟正黑體" pitchFamily="34" charset="-120"/>
+                <a:ea typeface="微軟正黑體" pitchFamily="34" charset="-120"/>
               </a:rPr>
-              <a:t>當我不明白的時</a:t>
-            </a:r>
-            <a:r>
-              <a:rPr lang="zh-TW" altLang="en-US" sz="5400" b="1" dirty="0" smtClean="0">
-                <a:latin typeface="Microsoft JhengHei" panose="020B0604030504040204" pitchFamily="34" charset="-120"/>
-                <a:ea typeface="Microsoft JhengHei" panose="020B0604030504040204" pitchFamily="34" charset="-120"/>
-              </a:rPr>
-              <a:t>候  我</a:t>
-            </a:r>
-            <a:r>
-              <a:rPr lang="zh-TW" altLang="en-US" sz="5400" b="1" dirty="0">
-                <a:latin typeface="Microsoft JhengHei" panose="020B0604030504040204" pitchFamily="34" charset="-120"/>
-                <a:ea typeface="Microsoft JhengHei" panose="020B0604030504040204" pitchFamily="34" charset="-120"/>
-              </a:rPr>
-              <a:t>選擇相</a:t>
-            </a:r>
-            <a:r>
-              <a:rPr lang="zh-TW" altLang="en-US" sz="5400" b="1" dirty="0" smtClean="0">
-                <a:latin typeface="Microsoft JhengHei" panose="020B0604030504040204" pitchFamily="34" charset="-120"/>
-                <a:ea typeface="Microsoft JhengHei" panose="020B0604030504040204" pitchFamily="34" charset="-120"/>
-              </a:rPr>
-              <a:t>信</a:t>
-            </a:r>
-            <a:endParaRPr lang="en-US" altLang="zh-TW" sz="5400" b="1" dirty="0" smtClean="0">
-              <a:latin typeface="Microsoft JhengHei" panose="020B0604030504040204" pitchFamily="34" charset="-120"/>
-              <a:ea typeface="Microsoft JhengHei" panose="020B0604030504040204" pitchFamily="34" charset="-120"/>
-            </a:endParaRPr>
-          </a:p>
-          <a:p>
-            <a:pPr marL="0" indent="0" algn="ctr">
-              <a:buNone/>
-            </a:pPr>
-            <a:r>
-              <a:rPr lang="zh-TW" altLang="en-US" sz="5400" b="1" dirty="0" smtClean="0">
-                <a:latin typeface="Microsoft JhengHei" panose="020B0604030504040204" pitchFamily="34" charset="-120"/>
-                <a:ea typeface="Microsoft JhengHei" panose="020B0604030504040204" pitchFamily="34" charset="-120"/>
-              </a:rPr>
-              <a:t>相</a:t>
-            </a:r>
-            <a:r>
-              <a:rPr lang="zh-TW" altLang="en-US" sz="5400" b="1" dirty="0">
-                <a:latin typeface="Microsoft JhengHei" panose="020B0604030504040204" pitchFamily="34" charset="-120"/>
-                <a:ea typeface="Microsoft JhengHei" panose="020B0604030504040204" pitchFamily="34" charset="-120"/>
-              </a:rPr>
-              <a:t>信上帝依然愛</a:t>
-            </a:r>
-            <a:r>
-              <a:rPr lang="zh-TW" altLang="en-US" sz="5400" b="1" dirty="0" smtClean="0">
-                <a:latin typeface="Microsoft JhengHei" panose="020B0604030504040204" pitchFamily="34" charset="-120"/>
-                <a:ea typeface="Microsoft JhengHei" panose="020B0604030504040204" pitchFamily="34" charset="-120"/>
-              </a:rPr>
-              <a:t>我</a:t>
-            </a:r>
-            <a:endParaRPr lang="en-US" altLang="zh-TW" sz="5400" b="1" dirty="0" smtClean="0">
-              <a:latin typeface="Microsoft JhengHei" panose="020B0604030504040204" pitchFamily="34" charset="-120"/>
-              <a:ea typeface="Microsoft JhengHei" panose="020B0604030504040204" pitchFamily="34" charset="-120"/>
-            </a:endParaRPr>
-          </a:p>
-          <a:p>
-            <a:pPr marL="0" indent="0" algn="ctr">
-              <a:buNone/>
-            </a:pPr>
-            <a:r>
-              <a:rPr lang="zh-TW" altLang="en-US" sz="5400" b="1" dirty="0" smtClean="0">
-                <a:latin typeface="Microsoft JhengHei" panose="020B0604030504040204" pitchFamily="34" charset="-120"/>
-                <a:ea typeface="Microsoft JhengHei" panose="020B0604030504040204" pitchFamily="34" charset="-120"/>
-              </a:rPr>
-              <a:t>那</a:t>
-            </a:r>
-            <a:r>
-              <a:rPr lang="zh-TW" altLang="en-US" sz="5400" b="1" dirty="0">
-                <a:latin typeface="Microsoft JhengHei" panose="020B0604030504040204" pitchFamily="34" charset="-120"/>
-                <a:ea typeface="Microsoft JhengHei" panose="020B0604030504040204" pitchFamily="34" charset="-120"/>
-              </a:rPr>
-              <a:t>怕是長夜沒有盡</a:t>
-            </a:r>
-            <a:r>
-              <a:rPr lang="zh-TW" altLang="en-US" sz="5400" b="1" dirty="0" smtClean="0">
-                <a:latin typeface="Microsoft JhengHei" panose="020B0604030504040204" pitchFamily="34" charset="-120"/>
-                <a:ea typeface="Microsoft JhengHei" panose="020B0604030504040204" pitchFamily="34" charset="-120"/>
-              </a:rPr>
-              <a:t>頭</a:t>
-            </a:r>
-            <a:endParaRPr lang="en-US" altLang="zh-TW" sz="5400" b="1" dirty="0" smtClean="0">
-              <a:latin typeface="Microsoft JhengHei" panose="020B0604030504040204" pitchFamily="34" charset="-120"/>
-              <a:ea typeface="Microsoft JhengHei" panose="020B0604030504040204" pitchFamily="34" charset="-120"/>
-            </a:endParaRPr>
-          </a:p>
-          <a:p>
-            <a:pPr marL="0" indent="0" algn="ctr">
-              <a:buNone/>
-            </a:pPr>
-            <a:r>
-              <a:rPr lang="zh-TW" altLang="en-US" sz="5400" b="1" dirty="0" smtClean="0">
-                <a:latin typeface="Microsoft JhengHei" panose="020B0604030504040204" pitchFamily="34" charset="-120"/>
-                <a:ea typeface="Microsoft JhengHei" panose="020B0604030504040204" pitchFamily="34" charset="-120"/>
-              </a:rPr>
-              <a:t>祂</a:t>
-            </a:r>
-            <a:r>
-              <a:rPr lang="zh-TW" altLang="en-US" sz="5400" b="1" dirty="0">
-                <a:latin typeface="Microsoft JhengHei" panose="020B0604030504040204" pitchFamily="34" charset="-120"/>
-                <a:ea typeface="Microsoft JhengHei" panose="020B0604030504040204" pitchFamily="34" charset="-120"/>
-              </a:rPr>
-              <a:t>會陪我度過</a:t>
-            </a:r>
-            <a:endParaRPr lang="vi-VN" sz="5400" b="1" dirty="0">
-              <a:ea typeface="Microsoft JhengHei" panose="020B0604030504040204" pitchFamily="34" charset="-120"/>
+              <a:t>好的過</a:t>
+            </a:r>
+            <a:endParaRPr lang="zh-TW" altLang="en-US" sz="7200" b="1" i="1" dirty="0">
+              <a:solidFill>
+                <a:srgbClr val="000066"/>
+              </a:solidFill>
+              <a:effectLst>
+                <a:outerShdw blurRad="38100" dist="38100" dir="2700000" algn="tl">
+                  <a:srgbClr val="000000">
+                    <a:alpha val="43137"/>
+                  </a:srgbClr>
+                </a:outerShdw>
+              </a:effectLst>
+              <a:latin typeface="微軟正黑體" pitchFamily="34" charset="-120"/>
+              <a:ea typeface="微軟正黑體" pitchFamily="34" charset="-120"/>
             </a:endParaRPr>
           </a:p>
         </p:txBody>
@@ -3277,7 +3193,7 @@
     </p:spTree>
     <p:extLst>
       <p:ext uri="{BB962C8B-B14F-4D97-AF65-F5344CB8AC3E}">
-        <p14:creationId xmlns:p14="http://schemas.microsoft.com/office/powerpoint/2010/main" val="389045089"/>
+        <p14:creationId xmlns:p14="http://schemas.microsoft.com/office/powerpoint/2010/main" val="765932343"/>
       </p:ext>
     </p:extLst>
   </p:cSld>
@@ -3306,176 +3222,75 @@
       </p:grpSpPr>
       <p:sp>
         <p:nvSpPr>
-          <p:cNvPr id="2" name="Title 1"/>
-          <p:cNvSpPr>
-            <a:spLocks noGrp="1"/>
-          </p:cNvSpPr>
-          <p:nvPr>
-            <p:ph type="title"/>
-          </p:nvPr>
-        </p:nvSpPr>
-        <p:spPr/>
-        <p:txBody>
-          <a:bodyPr>
+          <p:cNvPr id="5" name="內容版面配置區 4"/>
+          <p:cNvSpPr>
+            <a:spLocks noGrp="1"/>
+          </p:cNvSpPr>
+          <p:nvPr>
+            <p:ph idx="1"/>
+          </p:nvPr>
+        </p:nvSpPr>
+        <p:spPr>
+          <a:xfrm>
+            <a:off x="0" y="2084851"/>
+            <a:ext cx="12192000" cy="2404863"/>
+          </a:xfrm>
+        </p:spPr>
+        <p:txBody>
+          <a:bodyPr anchor="ctr">
             <a:normAutofit/>
           </a:bodyPr>
           <a:lstStyle/>
           <a:p>
-            <a:r>
-              <a:rPr lang="zh-CN" altLang="en-US" sz="4800" b="1" dirty="0">
+            <a:pPr marL="0" indent="0" algn="ctr">
+              <a:buNone/>
+            </a:pPr>
+            <a:r>
+              <a:rPr lang="zh-TW" altLang="en-US" sz="6400" b="1" dirty="0">
+                <a:solidFill>
+                  <a:srgbClr val="000066"/>
+                </a:solidFill>
                 <a:latin typeface="Microsoft JhengHei" panose="020B0604030504040204" pitchFamily="34" charset="-120"/>
                 <a:ea typeface="Microsoft JhengHei" panose="020B0604030504040204" pitchFamily="34" charset="-120"/>
               </a:rPr>
-              <a:t>好好的過</a:t>
-            </a:r>
-            <a:endParaRPr lang="vi-VN" sz="4800" b="1" dirty="0">
+              <a:t>當我不明白的時候  我選擇相信</a:t>
+            </a:r>
+            <a:endParaRPr lang="en-US" altLang="zh-TW" sz="6400" b="1" dirty="0">
+              <a:solidFill>
+                <a:srgbClr val="000066"/>
+              </a:solidFill>
+              <a:latin typeface="Microsoft JhengHei" panose="020B0604030504040204" pitchFamily="34" charset="-120"/>
               <a:ea typeface="Microsoft JhengHei" panose="020B0604030504040204" pitchFamily="34" charset="-120"/>
             </a:endParaRPr>
           </a:p>
-        </p:txBody>
-      </p:sp>
-      <p:sp>
-        <p:nvSpPr>
-          <p:cNvPr id="3" name="Content Placeholder 2"/>
-          <p:cNvSpPr>
-            <a:spLocks noGrp="1"/>
-          </p:cNvSpPr>
-          <p:nvPr>
-            <p:ph idx="1"/>
-          </p:nvPr>
-        </p:nvSpPr>
-        <p:spPr/>
-        <p:txBody>
-          <a:bodyPr>
-            <a:normAutofit/>
-          </a:bodyPr>
-          <a:lstStyle/>
           <a:p>
             <a:pPr marL="0" indent="0" algn="ctr">
               <a:buNone/>
             </a:pPr>
             <a:r>
-              <a:rPr lang="zh-TW" altLang="en-US" sz="5400" b="1" dirty="0">
+              <a:rPr lang="zh-TW" altLang="en-US" sz="6400" b="1" dirty="0">
+                <a:solidFill>
+                  <a:srgbClr val="000066"/>
+                </a:solidFill>
                 <a:latin typeface="Microsoft JhengHei" panose="020B0604030504040204" pitchFamily="34" charset="-120"/>
                 <a:ea typeface="Microsoft JhengHei" panose="020B0604030504040204" pitchFamily="34" charset="-120"/>
               </a:rPr>
-              <a:t>當我完全不知所</a:t>
-            </a:r>
-            <a:r>
-              <a:rPr lang="zh-TW" altLang="en-US" sz="5400" b="1" dirty="0">
-                <a:latin typeface="Microsoft JhengHei" panose="020B0604030504040204" pitchFamily="34" charset="-120"/>
-                <a:ea typeface="Microsoft JhengHei" panose="020B0604030504040204" pitchFamily="34" charset="-120"/>
-              </a:rPr>
-              <a:t>措  我</a:t>
-            </a:r>
-            <a:r>
-              <a:rPr lang="zh-TW" altLang="en-US" sz="5400" b="1" dirty="0">
-                <a:latin typeface="Microsoft JhengHei" panose="020B0604030504040204" pitchFamily="34" charset="-120"/>
-                <a:ea typeface="Microsoft JhengHei" panose="020B0604030504040204" pitchFamily="34" charset="-120"/>
-              </a:rPr>
-              <a:t>還是相</a:t>
-            </a:r>
-            <a:r>
-              <a:rPr lang="zh-TW" altLang="en-US" sz="5400" b="1" dirty="0">
-                <a:latin typeface="Microsoft JhengHei" panose="020B0604030504040204" pitchFamily="34" charset="-120"/>
-                <a:ea typeface="Microsoft JhengHei" panose="020B0604030504040204" pitchFamily="34" charset="-120"/>
-              </a:rPr>
-              <a:t>信</a:t>
-            </a:r>
-            <a:endParaRPr lang="en-US" altLang="zh-TW" sz="5400" b="1" dirty="0">
+              <a:t>相信上帝依然愛我</a:t>
+            </a:r>
+            <a:endParaRPr lang="en-US" altLang="zh-TW" sz="6400" b="1" dirty="0">
+              <a:solidFill>
+                <a:srgbClr val="000066"/>
+              </a:solidFill>
               <a:latin typeface="Microsoft JhengHei" panose="020B0604030504040204" pitchFamily="34" charset="-120"/>
               <a:ea typeface="Microsoft JhengHei" panose="020B0604030504040204" pitchFamily="34" charset="-120"/>
             </a:endParaRPr>
           </a:p>
-          <a:p>
-            <a:pPr marL="0" indent="0" algn="ctr">
-              <a:buNone/>
-            </a:pPr>
-            <a:r>
-              <a:rPr lang="zh-TW" altLang="en-US" sz="5400" b="1" dirty="0">
-                <a:latin typeface="Microsoft JhengHei" panose="020B0604030504040204" pitchFamily="34" charset="-120"/>
-                <a:ea typeface="Microsoft JhengHei" panose="020B0604030504040204" pitchFamily="34" charset="-120"/>
-              </a:rPr>
-              <a:t>相</a:t>
-            </a:r>
-            <a:r>
-              <a:rPr lang="zh-TW" altLang="en-US" sz="5400" b="1" dirty="0">
-                <a:latin typeface="Microsoft JhengHei" panose="020B0604030504040204" pitchFamily="34" charset="-120"/>
-                <a:ea typeface="Microsoft JhengHei" panose="020B0604030504040204" pitchFamily="34" charset="-120"/>
-              </a:rPr>
-              <a:t>信上帝依然愛</a:t>
-            </a:r>
-            <a:r>
-              <a:rPr lang="zh-TW" altLang="en-US" sz="5400" b="1" dirty="0">
-                <a:latin typeface="Microsoft JhengHei" panose="020B0604030504040204" pitchFamily="34" charset="-120"/>
-                <a:ea typeface="Microsoft JhengHei" panose="020B0604030504040204" pitchFamily="34" charset="-120"/>
-              </a:rPr>
-              <a:t>我</a:t>
-            </a:r>
-            <a:endParaRPr lang="en-US" altLang="zh-TW" sz="5400" b="1" dirty="0">
-              <a:latin typeface="Microsoft JhengHei" panose="020B0604030504040204" pitchFamily="34" charset="-120"/>
-              <a:ea typeface="Microsoft JhengHei" panose="020B0604030504040204" pitchFamily="34" charset="-120"/>
-            </a:endParaRPr>
-          </a:p>
-          <a:p>
-            <a:pPr marL="0" indent="0" algn="ctr">
-              <a:buNone/>
-            </a:pPr>
-            <a:r>
-              <a:rPr lang="zh-TW" altLang="en-US" sz="5400" b="1" dirty="0">
-                <a:latin typeface="Microsoft JhengHei" panose="020B0604030504040204" pitchFamily="34" charset="-120"/>
-                <a:ea typeface="Microsoft JhengHei" panose="020B0604030504040204" pitchFamily="34" charset="-120"/>
-              </a:rPr>
-              <a:t>祂</a:t>
-            </a:r>
-            <a:r>
-              <a:rPr lang="zh-TW" altLang="en-US" sz="5400" b="1" dirty="0">
-                <a:latin typeface="Microsoft JhengHei" panose="020B0604030504040204" pitchFamily="34" charset="-120"/>
-                <a:ea typeface="Microsoft JhengHei" panose="020B0604030504040204" pitchFamily="34" charset="-120"/>
-              </a:rPr>
-              <a:t>的愛是我堅強的理</a:t>
-            </a:r>
-            <a:r>
-              <a:rPr lang="zh-TW" altLang="en-US" sz="5400" b="1" dirty="0">
-                <a:latin typeface="Microsoft JhengHei" panose="020B0604030504040204" pitchFamily="34" charset="-120"/>
-                <a:ea typeface="Microsoft JhengHei" panose="020B0604030504040204" pitchFamily="34" charset="-120"/>
-              </a:rPr>
-              <a:t>由</a:t>
-            </a:r>
-            <a:endParaRPr lang="en-US" altLang="zh-TW" sz="5400" b="1" dirty="0">
-              <a:latin typeface="Microsoft JhengHei" panose="020B0604030504040204" pitchFamily="34" charset="-120"/>
-              <a:ea typeface="Microsoft JhengHei" panose="020B0604030504040204" pitchFamily="34" charset="-120"/>
-            </a:endParaRPr>
-          </a:p>
-          <a:p>
-            <a:pPr marL="0" indent="0" algn="ctr">
-              <a:buNone/>
-            </a:pPr>
-            <a:r>
-              <a:rPr lang="zh-TW" altLang="en-US" sz="5400" b="1" dirty="0">
-                <a:latin typeface="Microsoft JhengHei" panose="020B0604030504040204" pitchFamily="34" charset="-120"/>
-                <a:ea typeface="Microsoft JhengHei" panose="020B0604030504040204" pitchFamily="34" charset="-120"/>
-              </a:rPr>
-              <a:t>給</a:t>
-            </a:r>
-            <a:r>
-              <a:rPr lang="zh-TW" altLang="en-US" sz="5400" b="1" dirty="0">
-                <a:latin typeface="Microsoft JhengHei" panose="020B0604030504040204" pitchFamily="34" charset="-120"/>
-                <a:ea typeface="Microsoft JhengHei" panose="020B0604030504040204" pitchFamily="34" charset="-120"/>
-              </a:rPr>
-              <a:t>我勇氣面對明天</a:t>
-            </a:r>
-            <a:endParaRPr lang="vi-VN" sz="5400" b="1" dirty="0">
-              <a:latin typeface="Microsoft JhengHei" panose="020B0604030504040204" pitchFamily="34" charset="-120"/>
-              <a:ea typeface="Microsoft JhengHei" panose="020B0604030504040204" pitchFamily="34" charset="-120"/>
-            </a:endParaRPr>
-          </a:p>
         </p:txBody>
       </p:sp>
     </p:spTree>
     <p:extLst>
       <p:ext uri="{BB962C8B-B14F-4D97-AF65-F5344CB8AC3E}">
-        <p14:creationId xmlns:p14="http://schemas.microsoft.com/office/powerpoint/2010/main" val="308836374"/>
+        <p14:creationId xmlns:p14="http://schemas.microsoft.com/office/powerpoint/2010/main" val="2077737560"/>
       </p:ext>
     </p:extLst>
   </p:cSld>
@@ -3504,258 +3319,65 @@
       </p:grpSpPr>
       <p:sp>
         <p:nvSpPr>
-          <p:cNvPr id="2" name="Title 1"/>
-          <p:cNvSpPr>
-            <a:spLocks noGrp="1"/>
-          </p:cNvSpPr>
-          <p:nvPr>
-            <p:ph type="title"/>
-          </p:nvPr>
-        </p:nvSpPr>
-        <p:spPr/>
-        <p:txBody>
-          <a:bodyPr>
+          <p:cNvPr id="5" name="內容版面配置區 4"/>
+          <p:cNvSpPr>
+            <a:spLocks noGrp="1"/>
+          </p:cNvSpPr>
+          <p:nvPr>
+            <p:ph idx="1"/>
+          </p:nvPr>
+        </p:nvSpPr>
+        <p:spPr>
+          <a:xfrm>
+            <a:off x="0" y="2084851"/>
+            <a:ext cx="12192000" cy="2404863"/>
+          </a:xfrm>
+        </p:spPr>
+        <p:txBody>
+          <a:bodyPr anchor="ctr">
             <a:normAutofit/>
           </a:bodyPr>
           <a:lstStyle/>
           <a:p>
-            <a:r>
-              <a:rPr lang="zh-CN" altLang="en-US" sz="4800" b="1" dirty="0">
+            <a:pPr marL="0" indent="0" algn="ctr">
+              <a:buNone/>
+            </a:pPr>
+            <a:r>
+              <a:rPr lang="zh-TW" altLang="en-US" sz="6400" b="1" dirty="0">
+                <a:solidFill>
+                  <a:srgbClr val="000066"/>
+                </a:solidFill>
                 <a:latin typeface="Microsoft JhengHei" panose="020B0604030504040204" pitchFamily="34" charset="-120"/>
                 <a:ea typeface="Microsoft JhengHei" panose="020B0604030504040204" pitchFamily="34" charset="-120"/>
               </a:rPr>
-              <a:t>好好的過</a:t>
-            </a:r>
-            <a:endParaRPr lang="vi-VN" sz="4800" b="1" dirty="0">
+              <a:t>那怕是長夜沒有盡頭</a:t>
+            </a:r>
+            <a:endParaRPr lang="en-US" altLang="zh-TW" sz="6400" b="1" dirty="0">
+              <a:solidFill>
+                <a:srgbClr val="000066"/>
+              </a:solidFill>
+              <a:latin typeface="Microsoft JhengHei" panose="020B0604030504040204" pitchFamily="34" charset="-120"/>
               <a:ea typeface="Microsoft JhengHei" panose="020B0604030504040204" pitchFamily="34" charset="-120"/>
             </a:endParaRPr>
           </a:p>
-        </p:txBody>
-      </p:sp>
-      <p:sp>
-        <p:nvSpPr>
-          <p:cNvPr id="3" name="Content Placeholder 2"/>
-          <p:cNvSpPr>
-            <a:spLocks noGrp="1"/>
-          </p:cNvSpPr>
-          <p:nvPr>
-            <p:ph idx="1"/>
-          </p:nvPr>
-        </p:nvSpPr>
-        <p:spPr>
-          <a:xfrm>
-            <a:off x="609600" y="1600201"/>
-            <a:ext cx="10972800" cy="5257799"/>
-          </a:xfrm>
-        </p:spPr>
-        <p:txBody>
-          <a:bodyPr>
-            <a:normAutofit/>
-          </a:bodyPr>
-          <a:lstStyle/>
           <a:p>
             <a:pPr marL="0" indent="0" algn="ctr">
               <a:buNone/>
             </a:pPr>
             <a:r>
-              <a:rPr lang="zh-TW" altLang="en-US" sz="5400" b="1" dirty="0">
+              <a:rPr lang="zh-TW" altLang="en-US" sz="6400" b="1" dirty="0">
+                <a:solidFill>
+                  <a:srgbClr val="000066"/>
+                </a:solidFill>
                 <a:latin typeface="Microsoft JhengHei" panose="020B0604030504040204" pitchFamily="34" charset="-120"/>
                 <a:ea typeface="Microsoft JhengHei" panose="020B0604030504040204" pitchFamily="34" charset="-120"/>
               </a:rPr>
-              <a:t>每一</a:t>
-            </a:r>
-            <a:r>
-              <a:rPr lang="zh-TW" altLang="en-US" sz="5400" b="1" dirty="0">
-                <a:latin typeface="Microsoft JhengHei" panose="020B0604030504040204" pitchFamily="34" charset="-120"/>
-                <a:ea typeface="Microsoft JhengHei" panose="020B0604030504040204" pitchFamily="34" charset="-120"/>
-              </a:rPr>
-              <a:t>步  勇</a:t>
-            </a:r>
-            <a:r>
-              <a:rPr lang="zh-TW" altLang="en-US" sz="5400" b="1" dirty="0">
-                <a:latin typeface="Microsoft JhengHei" panose="020B0604030504040204" pitchFamily="34" charset="-120"/>
-                <a:ea typeface="Microsoft JhengHei" panose="020B0604030504040204" pitchFamily="34" charset="-120"/>
-              </a:rPr>
-              <a:t>敢的</a:t>
-            </a:r>
-            <a:r>
-              <a:rPr lang="zh-TW" altLang="en-US" sz="5400" b="1" dirty="0">
-                <a:latin typeface="Microsoft JhengHei" panose="020B0604030504040204" pitchFamily="34" charset="-120"/>
-                <a:ea typeface="Microsoft JhengHei" panose="020B0604030504040204" pitchFamily="34" charset="-120"/>
-              </a:rPr>
-              <a:t>走</a:t>
-            </a:r>
-            <a:endParaRPr lang="en-US" altLang="zh-TW" sz="5400" b="1" dirty="0">
-              <a:latin typeface="Microsoft JhengHei" panose="020B0604030504040204" pitchFamily="34" charset="-120"/>
-              <a:ea typeface="Microsoft JhengHei" panose="020B0604030504040204" pitchFamily="34" charset="-120"/>
-            </a:endParaRPr>
-          </a:p>
-          <a:p>
-            <a:pPr marL="0" indent="0" algn="ctr">
-              <a:buNone/>
-            </a:pPr>
-            <a:r>
-              <a:rPr lang="zh-TW" altLang="en-US" sz="5400" b="1" dirty="0">
-                <a:latin typeface="Microsoft JhengHei" panose="020B0604030504040204" pitchFamily="34" charset="-120"/>
-                <a:ea typeface="Microsoft JhengHei" panose="020B0604030504040204" pitchFamily="34" charset="-120"/>
-              </a:rPr>
-              <a:t>每</a:t>
-            </a:r>
-            <a:r>
-              <a:rPr lang="zh-TW" altLang="en-US" sz="5400" b="1" dirty="0">
-                <a:latin typeface="Microsoft JhengHei" panose="020B0604030504040204" pitchFamily="34" charset="-120"/>
-                <a:ea typeface="Microsoft JhengHei" panose="020B0604030504040204" pitchFamily="34" charset="-120"/>
-              </a:rPr>
-              <a:t>一</a:t>
-            </a:r>
-            <a:r>
-              <a:rPr lang="zh-TW" altLang="en-US" sz="5400" b="1" dirty="0">
-                <a:latin typeface="Microsoft JhengHei" panose="020B0604030504040204" pitchFamily="34" charset="-120"/>
-                <a:ea typeface="Microsoft JhengHei" panose="020B0604030504040204" pitchFamily="34" charset="-120"/>
-              </a:rPr>
-              <a:t>天  好</a:t>
-            </a:r>
-            <a:r>
-              <a:rPr lang="zh-TW" altLang="en-US" sz="5400" b="1" dirty="0">
-                <a:latin typeface="Microsoft JhengHei" panose="020B0604030504040204" pitchFamily="34" charset="-120"/>
-                <a:ea typeface="Microsoft JhengHei" panose="020B0604030504040204" pitchFamily="34" charset="-120"/>
-              </a:rPr>
-              <a:t>好的</a:t>
-            </a:r>
-            <a:r>
-              <a:rPr lang="zh-TW" altLang="en-US" sz="5400" b="1" dirty="0">
-                <a:latin typeface="Microsoft JhengHei" panose="020B0604030504040204" pitchFamily="34" charset="-120"/>
-                <a:ea typeface="Microsoft JhengHei" panose="020B0604030504040204" pitchFamily="34" charset="-120"/>
-              </a:rPr>
-              <a:t>過</a:t>
-            </a:r>
-            <a:endParaRPr lang="en-US" altLang="zh-TW" sz="5400" b="1" dirty="0">
-              <a:latin typeface="Microsoft JhengHei" panose="020B0604030504040204" pitchFamily="34" charset="-120"/>
-              <a:ea typeface="Microsoft JhengHei" panose="020B0604030504040204" pitchFamily="34" charset="-120"/>
-            </a:endParaRPr>
-          </a:p>
-          <a:p>
-            <a:pPr marL="0" indent="0" algn="ctr">
-              <a:buNone/>
-            </a:pPr>
-            <a:r>
-              <a:rPr lang="zh-TW" altLang="en-US" sz="5400" b="1" dirty="0">
-                <a:latin typeface="Microsoft JhengHei" panose="020B0604030504040204" pitchFamily="34" charset="-120"/>
-                <a:ea typeface="Microsoft JhengHei" panose="020B0604030504040204" pitchFamily="34" charset="-120"/>
-              </a:rPr>
-              <a:t>因</a:t>
-            </a:r>
-            <a:r>
-              <a:rPr lang="zh-TW" altLang="en-US" sz="5400" b="1" dirty="0">
-                <a:latin typeface="Microsoft JhengHei" panose="020B0604030504040204" pitchFamily="34" charset="-120"/>
-                <a:ea typeface="Microsoft JhengHei" panose="020B0604030504040204" pitchFamily="34" charset="-120"/>
-              </a:rPr>
-              <a:t>為上帝愛</a:t>
-            </a:r>
-            <a:r>
-              <a:rPr lang="zh-TW" altLang="en-US" sz="5400" b="1" dirty="0">
-                <a:latin typeface="Microsoft JhengHei" panose="020B0604030504040204" pitchFamily="34" charset="-120"/>
-                <a:ea typeface="Microsoft JhengHei" panose="020B0604030504040204" pitchFamily="34" charset="-120"/>
-              </a:rPr>
-              <a:t>我  祂</a:t>
-            </a:r>
-            <a:r>
-              <a:rPr lang="zh-TW" altLang="en-US" sz="5400" b="1" dirty="0">
-                <a:latin typeface="Microsoft JhengHei" panose="020B0604030504040204" pitchFamily="34" charset="-120"/>
-                <a:ea typeface="Microsoft JhengHei" panose="020B0604030504040204" pitchFamily="34" charset="-120"/>
-              </a:rPr>
-              <a:t>會陪著我</a:t>
-            </a:r>
-            <a:r>
-              <a:rPr lang="zh-TW" altLang="en-US" sz="5400" b="1" dirty="0" smtClean="0">
-                <a:latin typeface="Microsoft JhengHei" panose="020B0604030504040204" pitchFamily="34" charset="-120"/>
-                <a:ea typeface="Microsoft JhengHei" panose="020B0604030504040204" pitchFamily="34" charset="-120"/>
-              </a:rPr>
-              <a:t>走</a:t>
-            </a:r>
-            <a:endParaRPr lang="en-US" altLang="zh-TW" sz="5400" b="1" dirty="0" smtClean="0">
-              <a:latin typeface="Microsoft JhengHei" panose="020B0604030504040204" pitchFamily="34" charset="-120"/>
-              <a:ea typeface="Microsoft JhengHei" panose="020B0604030504040204" pitchFamily="34" charset="-120"/>
-            </a:endParaRPr>
-          </a:p>
-          <a:p>
-            <a:pPr marL="0" indent="0" algn="ctr">
-              <a:buNone/>
-            </a:pPr>
-            <a:r>
-              <a:rPr lang="zh-TW" altLang="en-US" sz="5400" b="1" dirty="0">
-                <a:latin typeface="Microsoft JhengHei" panose="020B0604030504040204" pitchFamily="34" charset="-120"/>
-                <a:ea typeface="Microsoft JhengHei" panose="020B0604030504040204" pitchFamily="34" charset="-120"/>
-              </a:rPr>
-              <a:t>在冰冷的夜</a:t>
-            </a:r>
-            <a:r>
-              <a:rPr lang="zh-TW" altLang="en-US" sz="5400" b="1" dirty="0">
-                <a:latin typeface="Microsoft JhengHei" panose="020B0604030504040204" pitchFamily="34" charset="-120"/>
-                <a:ea typeface="Microsoft JhengHei" panose="020B0604030504040204" pitchFamily="34" charset="-120"/>
-              </a:rPr>
-              <a:t>空  還</a:t>
-            </a:r>
-            <a:r>
-              <a:rPr lang="zh-TW" altLang="en-US" sz="5400" b="1" dirty="0">
-                <a:latin typeface="Microsoft JhengHei" panose="020B0604030504040204" pitchFamily="34" charset="-120"/>
-                <a:ea typeface="Microsoft JhengHei" panose="020B0604030504040204" pitchFamily="34" charset="-120"/>
-              </a:rPr>
-              <a:t>有星星告訴</a:t>
-            </a:r>
-            <a:r>
-              <a:rPr lang="zh-TW" altLang="en-US" sz="5400" b="1" dirty="0">
-                <a:latin typeface="Microsoft JhengHei" panose="020B0604030504040204" pitchFamily="34" charset="-120"/>
-                <a:ea typeface="Microsoft JhengHei" panose="020B0604030504040204" pitchFamily="34" charset="-120"/>
-              </a:rPr>
-              <a:t>我</a:t>
-            </a:r>
-            <a:endParaRPr lang="en-US" altLang="zh-TW" sz="5400" b="1" dirty="0">
-              <a:latin typeface="Microsoft JhengHei" panose="020B0604030504040204" pitchFamily="34" charset="-120"/>
-              <a:ea typeface="Microsoft JhengHei" panose="020B0604030504040204" pitchFamily="34" charset="-120"/>
-            </a:endParaRPr>
-          </a:p>
-          <a:p>
-            <a:pPr marL="0" indent="0" algn="ctr">
-              <a:buNone/>
-            </a:pPr>
-            <a:r>
-              <a:rPr lang="zh-TW" altLang="en-US" sz="5400" b="1" dirty="0">
-                <a:latin typeface="Microsoft JhengHei" panose="020B0604030504040204" pitchFamily="34" charset="-120"/>
-                <a:ea typeface="Microsoft JhengHei" panose="020B0604030504040204" pitchFamily="34" charset="-120"/>
-              </a:rPr>
-              <a:t>祂</a:t>
-            </a:r>
-            <a:r>
-              <a:rPr lang="zh-TW" altLang="en-US" sz="5400" b="1" dirty="0">
-                <a:latin typeface="Microsoft JhengHei" panose="020B0604030504040204" pitchFamily="34" charset="-120"/>
-                <a:ea typeface="Microsoft JhengHei" panose="020B0604030504040204" pitchFamily="34" charset="-120"/>
-              </a:rPr>
-              <a:t>就在這</a:t>
-            </a:r>
-            <a:r>
-              <a:rPr lang="zh-TW" altLang="en-US" sz="5400" b="1" dirty="0">
-                <a:latin typeface="Microsoft JhengHei" panose="020B0604030504040204" pitchFamily="34" charset="-120"/>
-                <a:ea typeface="Microsoft JhengHei" panose="020B0604030504040204" pitchFamily="34" charset="-120"/>
-              </a:rPr>
-              <a:t>裡  看</a:t>
-            </a:r>
-            <a:r>
-              <a:rPr lang="zh-TW" altLang="en-US" sz="5400" b="1" dirty="0">
-                <a:latin typeface="Microsoft JhengHei" panose="020B0604030504040204" pitchFamily="34" charset="-120"/>
-                <a:ea typeface="Microsoft JhengHei" panose="020B0604030504040204" pitchFamily="34" charset="-120"/>
-              </a:rPr>
-              <a:t>顧著</a:t>
-            </a:r>
-            <a:r>
-              <a:rPr lang="zh-TW" altLang="en-US" sz="5400" b="1" dirty="0">
-                <a:latin typeface="Microsoft JhengHei" panose="020B0604030504040204" pitchFamily="34" charset="-120"/>
-                <a:ea typeface="Microsoft JhengHei" panose="020B0604030504040204" pitchFamily="34" charset="-120"/>
-              </a:rPr>
-              <a:t>我</a:t>
-            </a:r>
-            <a:endParaRPr lang="vi-VN" sz="5400" b="1" dirty="0">
-              <a:latin typeface="Microsoft JhengHei" panose="020B0604030504040204" pitchFamily="34" charset="-120"/>
+              <a:t>祂會陪我度過</a:t>
+            </a:r>
+            <a:endParaRPr lang="vi-VN" sz="6400" b="1" dirty="0">
+              <a:solidFill>
+                <a:srgbClr val="000066"/>
+              </a:solidFill>
               <a:ea typeface="Microsoft JhengHei" panose="020B0604030504040204" pitchFamily="34" charset="-120"/>
             </a:endParaRPr>
           </a:p>
@@ -3764,7 +3386,7 @@
     </p:spTree>
     <p:extLst>
       <p:ext uri="{BB962C8B-B14F-4D97-AF65-F5344CB8AC3E}">
-        <p14:creationId xmlns:p14="http://schemas.microsoft.com/office/powerpoint/2010/main" val="1071871108"/>
+        <p14:creationId xmlns:p14="http://schemas.microsoft.com/office/powerpoint/2010/main" val="715452445"/>
       </p:ext>
     </p:extLst>
   </p:cSld>
@@ -3793,69 +3415,140 @@
       </p:grpSpPr>
       <p:sp>
         <p:nvSpPr>
-          <p:cNvPr id="2" name="Title 1"/>
-          <p:cNvSpPr>
-            <a:spLocks noGrp="1"/>
-          </p:cNvSpPr>
-          <p:nvPr>
-            <p:ph type="title"/>
-          </p:nvPr>
-        </p:nvSpPr>
-        <p:spPr/>
-        <p:txBody>
-          <a:bodyPr>
+          <p:cNvPr id="5" name="內容版面配置區 4"/>
+          <p:cNvSpPr>
+            <a:spLocks noGrp="1"/>
+          </p:cNvSpPr>
+          <p:nvPr>
+            <p:ph idx="1"/>
+          </p:nvPr>
+        </p:nvSpPr>
+        <p:spPr>
+          <a:xfrm>
+            <a:off x="0" y="2084851"/>
+            <a:ext cx="12192000" cy="2404863"/>
+          </a:xfrm>
+        </p:spPr>
+        <p:txBody>
+          <a:bodyPr anchor="ctr">
             <a:normAutofit/>
           </a:bodyPr>
           <a:lstStyle/>
           <a:p>
-            <a:r>
-              <a:rPr lang="zh-CN" altLang="en-US" sz="4800" b="1" dirty="0">
+            <a:pPr marL="0" indent="0" algn="ctr">
+              <a:buNone/>
+            </a:pPr>
+            <a:r>
+              <a:rPr lang="zh-TW" altLang="en-US" sz="6400" b="1" dirty="0">
+                <a:solidFill>
+                  <a:srgbClr val="000066"/>
+                </a:solidFill>
                 <a:latin typeface="Microsoft JhengHei" panose="020B0604030504040204" pitchFamily="34" charset="-120"/>
                 <a:ea typeface="Microsoft JhengHei" panose="020B0604030504040204" pitchFamily="34" charset="-120"/>
               </a:rPr>
-              <a:t>好好的過</a:t>
-            </a:r>
-            <a:endParaRPr lang="vi-VN" sz="4800" b="1" dirty="0">
+              <a:t>當我完全不知所措  我還是相信</a:t>
+            </a:r>
+            <a:endParaRPr lang="en-US" altLang="zh-TW" sz="6400" b="1" dirty="0">
+              <a:solidFill>
+                <a:srgbClr val="000066"/>
+              </a:solidFill>
+              <a:latin typeface="Microsoft JhengHei" panose="020B0604030504040204" pitchFamily="34" charset="-120"/>
               <a:ea typeface="Microsoft JhengHei" panose="020B0604030504040204" pitchFamily="34" charset="-120"/>
             </a:endParaRPr>
           </a:p>
-        </p:txBody>
-      </p:sp>
-      <p:sp>
-        <p:nvSpPr>
-          <p:cNvPr id="3" name="Content Placeholder 2"/>
-          <p:cNvSpPr>
-            <a:spLocks noGrp="1"/>
-          </p:cNvSpPr>
-          <p:nvPr>
-            <p:ph idx="1"/>
-          </p:nvPr>
-        </p:nvSpPr>
-        <p:spPr/>
-        <p:txBody>
-          <a:bodyPr>
-            <a:normAutofit/>
-          </a:bodyPr>
-          <a:lstStyle/>
           <a:p>
             <a:pPr marL="0" indent="0" algn="ctr">
               <a:buNone/>
             </a:pPr>
             <a:r>
-              <a:rPr lang="zh-TW" altLang="en-US" sz="5400" b="1" dirty="0">
+              <a:rPr lang="zh-TW" altLang="en-US" sz="6400" b="1" dirty="0">
+                <a:solidFill>
+                  <a:srgbClr val="000066"/>
+                </a:solidFill>
                 <a:latin typeface="Microsoft JhengHei" panose="020B0604030504040204" pitchFamily="34" charset="-120"/>
                 <a:ea typeface="Microsoft JhengHei" panose="020B0604030504040204" pitchFamily="34" charset="-120"/>
               </a:rPr>
-              <a:t>走出了憂</a:t>
-            </a:r>
-            <a:r>
-              <a:rPr lang="zh-TW" altLang="en-US" sz="5400" b="1" dirty="0">
+              <a:t>相信上帝依然愛我</a:t>
+            </a:r>
+            <a:endParaRPr lang="en-US" altLang="zh-TW" sz="6400" b="1" dirty="0">
+              <a:solidFill>
+                <a:srgbClr val="000066"/>
+              </a:solidFill>
+              <a:latin typeface="Microsoft JhengHei" panose="020B0604030504040204" pitchFamily="34" charset="-120"/>
+              <a:ea typeface="Microsoft JhengHei" panose="020B0604030504040204" pitchFamily="34" charset="-120"/>
+            </a:endParaRPr>
+          </a:p>
+        </p:txBody>
+      </p:sp>
+    </p:spTree>
+    <p:extLst>
+      <p:ext uri="{BB962C8B-B14F-4D97-AF65-F5344CB8AC3E}">
+        <p14:creationId xmlns:p14="http://schemas.microsoft.com/office/powerpoint/2010/main" val="3044422015"/>
+      </p:ext>
+    </p:extLst>
+  </p:cSld>
+  <p:clrMapOvr>
+    <a:masterClrMapping/>
+  </p:clrMapOvr>
+</p:sld>
+</file>
+
+<file path=ppt/slides/slide5.xml><?xml version="1.0" encoding="utf-8"?>
+<p:sld xmlns:a="http://schemas.openxmlformats.org/drawingml/2006/main" xmlns:r="http://schemas.openxmlformats.org/officeDocument/2006/relationships" xmlns:p="http://schemas.openxmlformats.org/presentationml/2006/main">
+  <p:cSld>
+    <p:spTree>
+      <p:nvGrpSpPr>
+        <p:cNvPr id="1" name=""/>
+        <p:cNvGrpSpPr/>
+        <p:nvPr/>
+      </p:nvGrpSpPr>
+      <p:grpSpPr>
+        <a:xfrm>
+          <a:off x="0" y="0"/>
+          <a:ext cx="0" cy="0"/>
+          <a:chOff x="0" y="0"/>
+          <a:chExt cx="0" cy="0"/>
+        </a:xfrm>
+      </p:grpSpPr>
+      <p:sp>
+        <p:nvSpPr>
+          <p:cNvPr id="5" name="內容版面配置區 4"/>
+          <p:cNvSpPr>
+            <a:spLocks noGrp="1"/>
+          </p:cNvSpPr>
+          <p:nvPr>
+            <p:ph idx="1"/>
+          </p:nvPr>
+        </p:nvSpPr>
+        <p:spPr>
+          <a:xfrm>
+            <a:off x="0" y="2084851"/>
+            <a:ext cx="12192000" cy="2404863"/>
+          </a:xfrm>
+        </p:spPr>
+        <p:txBody>
+          <a:bodyPr anchor="ctr">
+            <a:normAutofit/>
+          </a:bodyPr>
+          <a:lstStyle/>
+          <a:p>
+            <a:pPr marL="0" indent="0" algn="ctr">
+              <a:buNone/>
+            </a:pPr>
+            <a:r>
+              <a:rPr lang="zh-TW" altLang="en-US" sz="6400" b="1" dirty="0">
+                <a:solidFill>
+                  <a:srgbClr val="000066"/>
+                </a:solidFill>
                 <a:latin typeface="Microsoft JhengHei" panose="020B0604030504040204" pitchFamily="34" charset="-120"/>
                 <a:ea typeface="Microsoft JhengHei" panose="020B0604030504040204" pitchFamily="34" charset="-120"/>
               </a:rPr>
-              <a:t>鬱</a:t>
-            </a:r>
-            <a:endParaRPr lang="en-US" altLang="zh-TW" sz="5400" b="1" dirty="0">
+              <a:t>祂的愛是我堅強的理由</a:t>
+            </a:r>
+            <a:endParaRPr lang="en-US" altLang="zh-TW" sz="6400" b="1" dirty="0">
+              <a:solidFill>
+                <a:srgbClr val="000066"/>
+              </a:solidFill>
               <a:latin typeface="Microsoft JhengHei" panose="020B0604030504040204" pitchFamily="34" charset="-120"/>
               <a:ea typeface="Microsoft JhengHei" panose="020B0604030504040204" pitchFamily="34" charset="-120"/>
             </a:endParaRPr>
@@ -3865,57 +3558,288 @@
               <a:buNone/>
             </a:pPr>
             <a:r>
-              <a:rPr lang="zh-TW" altLang="en-US" sz="5400" b="1" dirty="0">
+              <a:rPr lang="zh-TW" altLang="en-US" sz="6400" b="1" dirty="0">
+                <a:solidFill>
+                  <a:srgbClr val="000066"/>
+                </a:solidFill>
                 <a:latin typeface="Microsoft JhengHei" panose="020B0604030504040204" pitchFamily="34" charset="-120"/>
                 <a:ea typeface="Microsoft JhengHei" panose="020B0604030504040204" pitchFamily="34" charset="-120"/>
               </a:rPr>
-              <a:t>陰</a:t>
-            </a:r>
-            <a:r>
-              <a:rPr lang="zh-TW" altLang="en-US" sz="5400" b="1" dirty="0">
+              <a:t>給我勇氣面對明天</a:t>
+            </a:r>
+            <a:endParaRPr lang="vi-VN" sz="6400" b="1" dirty="0">
+              <a:solidFill>
+                <a:srgbClr val="000066"/>
+              </a:solidFill>
+              <a:latin typeface="Microsoft JhengHei" panose="020B0604030504040204" pitchFamily="34" charset="-120"/>
+              <a:ea typeface="Microsoft JhengHei" panose="020B0604030504040204" pitchFamily="34" charset="-120"/>
+            </a:endParaRPr>
+          </a:p>
+        </p:txBody>
+      </p:sp>
+    </p:spTree>
+    <p:extLst>
+      <p:ext uri="{BB962C8B-B14F-4D97-AF65-F5344CB8AC3E}">
+        <p14:creationId xmlns:p14="http://schemas.microsoft.com/office/powerpoint/2010/main" val="2749847239"/>
+      </p:ext>
+    </p:extLst>
+  </p:cSld>
+  <p:clrMapOvr>
+    <a:masterClrMapping/>
+  </p:clrMapOvr>
+</p:sld>
+</file>
+
+<file path=ppt/slides/slide6.xml><?xml version="1.0" encoding="utf-8"?>
+<p:sld xmlns:a="http://schemas.openxmlformats.org/drawingml/2006/main" xmlns:r="http://schemas.openxmlformats.org/officeDocument/2006/relationships" xmlns:p="http://schemas.openxmlformats.org/presentationml/2006/main">
+  <p:cSld>
+    <p:spTree>
+      <p:nvGrpSpPr>
+        <p:cNvPr id="1" name=""/>
+        <p:cNvGrpSpPr/>
+        <p:nvPr/>
+      </p:nvGrpSpPr>
+      <p:grpSpPr>
+        <a:xfrm>
+          <a:off x="0" y="0"/>
+          <a:ext cx="0" cy="0"/>
+          <a:chOff x="0" y="0"/>
+          <a:chExt cx="0" cy="0"/>
+        </a:xfrm>
+      </p:grpSpPr>
+      <p:sp>
+        <p:nvSpPr>
+          <p:cNvPr id="5" name="內容版面配置區 4"/>
+          <p:cNvSpPr>
+            <a:spLocks noGrp="1"/>
+          </p:cNvSpPr>
+          <p:nvPr>
+            <p:ph idx="1"/>
+          </p:nvPr>
+        </p:nvSpPr>
+        <p:spPr>
+          <a:xfrm>
+            <a:off x="0" y="2084851"/>
+            <a:ext cx="12192000" cy="2404863"/>
+          </a:xfrm>
+        </p:spPr>
+        <p:txBody>
+          <a:bodyPr anchor="ctr">
+            <a:normAutofit/>
+          </a:bodyPr>
+          <a:lstStyle/>
+          <a:p>
+            <a:pPr marL="0" indent="0" algn="ctr">
+              <a:buNone/>
+            </a:pPr>
+            <a:r>
+              <a:rPr lang="zh-TW" altLang="en-US" sz="6400" b="1" dirty="0">
+                <a:solidFill>
+                  <a:srgbClr val="000066"/>
+                </a:solidFill>
                 <a:latin typeface="Microsoft JhengHei" panose="020B0604030504040204" pitchFamily="34" charset="-120"/>
                 <a:ea typeface="Microsoft JhengHei" panose="020B0604030504040204" pitchFamily="34" charset="-120"/>
               </a:rPr>
-              <a:t>暗的角</a:t>
-            </a:r>
-            <a:r>
-              <a:rPr lang="zh-TW" altLang="en-US" sz="5400" b="1" dirty="0">
+              <a:t>每一步  勇敢的走</a:t>
+            </a:r>
+            <a:endParaRPr lang="en-US" altLang="zh-TW" sz="6400" b="1" dirty="0">
+              <a:solidFill>
+                <a:srgbClr val="000066"/>
+              </a:solidFill>
+              <a:latin typeface="Microsoft JhengHei" panose="020B0604030504040204" pitchFamily="34" charset="-120"/>
+              <a:ea typeface="Microsoft JhengHei" panose="020B0604030504040204" pitchFamily="34" charset="-120"/>
+            </a:endParaRPr>
+          </a:p>
+          <a:p>
+            <a:pPr marL="0" indent="0" algn="ctr">
+              <a:buNone/>
+            </a:pPr>
+            <a:r>
+              <a:rPr lang="zh-TW" altLang="en-US" sz="6400" b="1" dirty="0">
+                <a:solidFill>
+                  <a:srgbClr val="000066"/>
+                </a:solidFill>
                 <a:latin typeface="Microsoft JhengHei" panose="020B0604030504040204" pitchFamily="34" charset="-120"/>
                 <a:ea typeface="Microsoft JhengHei" panose="020B0604030504040204" pitchFamily="34" charset="-120"/>
               </a:rPr>
-              <a:t>落</a:t>
-            </a:r>
-            <a:endParaRPr lang="en-US" altLang="zh-TW" sz="5400" b="1" dirty="0">
+              <a:t>每一天  好好的過</a:t>
+            </a:r>
+            <a:endParaRPr lang="en-US" altLang="zh-TW" sz="6400" b="1" dirty="0">
+              <a:solidFill>
+                <a:srgbClr val="000066"/>
+              </a:solidFill>
               <a:latin typeface="Microsoft JhengHei" panose="020B0604030504040204" pitchFamily="34" charset="-120"/>
               <a:ea typeface="Microsoft JhengHei" panose="020B0604030504040204" pitchFamily="34" charset="-120"/>
             </a:endParaRPr>
           </a:p>
+        </p:txBody>
+      </p:sp>
+    </p:spTree>
+    <p:extLst>
+      <p:ext uri="{BB962C8B-B14F-4D97-AF65-F5344CB8AC3E}">
+        <p14:creationId xmlns:p14="http://schemas.microsoft.com/office/powerpoint/2010/main" val="4021719057"/>
+      </p:ext>
+    </p:extLst>
+  </p:cSld>
+  <p:clrMapOvr>
+    <a:masterClrMapping/>
+  </p:clrMapOvr>
+</p:sld>
+</file>
+
+<file path=ppt/slides/slide7.xml><?xml version="1.0" encoding="utf-8"?>
+<p:sld xmlns:a="http://schemas.openxmlformats.org/drawingml/2006/main" xmlns:r="http://schemas.openxmlformats.org/officeDocument/2006/relationships" xmlns:p="http://schemas.openxmlformats.org/presentationml/2006/main">
+  <p:cSld>
+    <p:spTree>
+      <p:nvGrpSpPr>
+        <p:cNvPr id="1" name=""/>
+        <p:cNvGrpSpPr/>
+        <p:nvPr/>
+      </p:nvGrpSpPr>
+      <p:grpSpPr>
+        <a:xfrm>
+          <a:off x="0" y="0"/>
+          <a:ext cx="0" cy="0"/>
+          <a:chOff x="0" y="0"/>
+          <a:chExt cx="0" cy="0"/>
+        </a:xfrm>
+      </p:grpSpPr>
+      <p:sp>
+        <p:nvSpPr>
+          <p:cNvPr id="5" name="內容版面配置區 4"/>
+          <p:cNvSpPr>
+            <a:spLocks noGrp="1"/>
+          </p:cNvSpPr>
+          <p:nvPr>
+            <p:ph idx="1"/>
+          </p:nvPr>
+        </p:nvSpPr>
+        <p:spPr>
+          <a:xfrm>
+            <a:off x="0" y="2084851"/>
+            <a:ext cx="12192000" cy="2404863"/>
+          </a:xfrm>
+        </p:spPr>
+        <p:txBody>
+          <a:bodyPr anchor="ctr">
+            <a:normAutofit/>
+          </a:bodyPr>
+          <a:lstStyle/>
           <a:p>
             <a:pPr marL="0" indent="0" algn="ctr">
               <a:buNone/>
             </a:pPr>
             <a:r>
-              <a:rPr lang="zh-TW" altLang="en-US" sz="5400" b="1" dirty="0">
+              <a:rPr lang="zh-TW" altLang="en-US" sz="6400" b="1" dirty="0">
+                <a:solidFill>
+                  <a:srgbClr val="000066"/>
+                </a:solidFill>
                 <a:latin typeface="Microsoft JhengHei" panose="020B0604030504040204" pitchFamily="34" charset="-120"/>
                 <a:ea typeface="Microsoft JhengHei" panose="020B0604030504040204" pitchFamily="34" charset="-120"/>
               </a:rPr>
-              <a:t>在</a:t>
-            </a:r>
-            <a:r>
-              <a:rPr lang="zh-TW" altLang="en-US" sz="5400" b="1" dirty="0">
+              <a:t>因為上帝愛我  </a:t>
+            </a:r>
+            <a:endParaRPr lang="en-US" altLang="zh-TW" sz="6400" b="1" dirty="0">
+              <a:solidFill>
+                <a:srgbClr val="000066"/>
+              </a:solidFill>
+              <a:latin typeface="Microsoft JhengHei" panose="020B0604030504040204" pitchFamily="34" charset="-120"/>
+              <a:ea typeface="Microsoft JhengHei" panose="020B0604030504040204" pitchFamily="34" charset="-120"/>
+            </a:endParaRPr>
+          </a:p>
+          <a:p>
+            <a:pPr marL="0" indent="0" algn="ctr">
+              <a:buNone/>
+            </a:pPr>
+            <a:r>
+              <a:rPr lang="zh-TW" altLang="en-US" sz="6400" b="1" dirty="0">
+                <a:solidFill>
+                  <a:srgbClr val="000066"/>
+                </a:solidFill>
                 <a:latin typeface="Microsoft JhengHei" panose="020B0604030504040204" pitchFamily="34" charset="-120"/>
                 <a:ea typeface="Microsoft JhengHei" panose="020B0604030504040204" pitchFamily="34" charset="-120"/>
               </a:rPr>
-              <a:t>祂的愛</a:t>
-            </a:r>
-            <a:r>
-              <a:rPr lang="zh-TW" altLang="en-US" sz="5400" b="1" dirty="0">
+              <a:t>祂會陪著我走</a:t>
+            </a:r>
+            <a:endParaRPr lang="en-US" altLang="zh-TW" sz="6400" b="1" dirty="0">
+              <a:solidFill>
+                <a:srgbClr val="000066"/>
+              </a:solidFill>
+              <a:latin typeface="Microsoft JhengHei" panose="020B0604030504040204" pitchFamily="34" charset="-120"/>
+              <a:ea typeface="Microsoft JhengHei" panose="020B0604030504040204" pitchFamily="34" charset="-120"/>
+            </a:endParaRPr>
+          </a:p>
+        </p:txBody>
+      </p:sp>
+    </p:spTree>
+    <p:extLst>
+      <p:ext uri="{BB962C8B-B14F-4D97-AF65-F5344CB8AC3E}">
+        <p14:creationId xmlns:p14="http://schemas.microsoft.com/office/powerpoint/2010/main" val="2476279297"/>
+      </p:ext>
+    </p:extLst>
+  </p:cSld>
+  <p:clrMapOvr>
+    <a:masterClrMapping/>
+  </p:clrMapOvr>
+</p:sld>
+</file>
+
+<file path=ppt/slides/slide8.xml><?xml version="1.0" encoding="utf-8"?>
+<p:sld xmlns:a="http://schemas.openxmlformats.org/drawingml/2006/main" xmlns:r="http://schemas.openxmlformats.org/officeDocument/2006/relationships" xmlns:p="http://schemas.openxmlformats.org/presentationml/2006/main">
+  <p:cSld>
+    <p:spTree>
+      <p:nvGrpSpPr>
+        <p:cNvPr id="1" name=""/>
+        <p:cNvGrpSpPr/>
+        <p:nvPr/>
+      </p:nvGrpSpPr>
+      <p:grpSpPr>
+        <a:xfrm>
+          <a:off x="0" y="0"/>
+          <a:ext cx="0" cy="0"/>
+          <a:chOff x="0" y="0"/>
+          <a:chExt cx="0" cy="0"/>
+        </a:xfrm>
+      </p:grpSpPr>
+      <p:sp>
+        <p:nvSpPr>
+          <p:cNvPr id="5" name="內容版面配置區 4"/>
+          <p:cNvSpPr>
+            <a:spLocks noGrp="1"/>
+          </p:cNvSpPr>
+          <p:nvPr>
+            <p:ph idx="1"/>
+          </p:nvPr>
+        </p:nvSpPr>
+        <p:spPr>
+          <a:xfrm>
+            <a:off x="0" y="2084851"/>
+            <a:ext cx="12192000" cy="2404863"/>
+          </a:xfrm>
+        </p:spPr>
+        <p:txBody>
+          <a:bodyPr anchor="ctr">
+            <a:normAutofit/>
+          </a:bodyPr>
+          <a:lstStyle/>
+          <a:p>
+            <a:pPr marL="0" indent="0" algn="ctr">
+              <a:buNone/>
+            </a:pPr>
+            <a:r>
+              <a:rPr lang="zh-TW" altLang="en-US" sz="6400" b="1" dirty="0">
+                <a:solidFill>
+                  <a:srgbClr val="000066"/>
+                </a:solidFill>
                 <a:latin typeface="Microsoft JhengHei" panose="020B0604030504040204" pitchFamily="34" charset="-120"/>
                 <a:ea typeface="Microsoft JhengHei" panose="020B0604030504040204" pitchFamily="34" charset="-120"/>
               </a:rPr>
-              <a:t>裡</a:t>
-            </a:r>
-            <a:endParaRPr lang="en-US" altLang="zh-TW" sz="5400" b="1" dirty="0">
+              <a:t>在冰冷的夜空  還有星星告訴我</a:t>
+            </a:r>
+            <a:endParaRPr lang="en-US" altLang="zh-TW" sz="6400" b="1" dirty="0">
+              <a:solidFill>
+                <a:srgbClr val="000066"/>
+              </a:solidFill>
               <a:latin typeface="Microsoft JhengHei" panose="020B0604030504040204" pitchFamily="34" charset="-120"/>
               <a:ea typeface="Microsoft JhengHei" panose="020B0604030504040204" pitchFamily="34" charset="-120"/>
             </a:endParaRPr>
@@ -3925,30 +3849,166 @@
               <a:buNone/>
             </a:pPr>
             <a:r>
-              <a:rPr lang="zh-TW" altLang="en-US" sz="5400" b="1" dirty="0">
+              <a:rPr lang="zh-TW" altLang="en-US" sz="6400" b="1" dirty="0">
+                <a:solidFill>
+                  <a:srgbClr val="000066"/>
+                </a:solidFill>
                 <a:latin typeface="Microsoft JhengHei" panose="020B0604030504040204" pitchFamily="34" charset="-120"/>
                 <a:ea typeface="Microsoft JhengHei" panose="020B0604030504040204" pitchFamily="34" charset="-120"/>
               </a:rPr>
-              <a:t>我</a:t>
-            </a:r>
-            <a:r>
-              <a:rPr lang="zh-TW" altLang="en-US" sz="5400" b="1" dirty="0">
+              <a:t>祂就在這裡  看顧著我</a:t>
+            </a:r>
+            <a:endParaRPr lang="vi-VN" sz="6400" b="1" dirty="0">
+              <a:solidFill>
+                <a:srgbClr val="000066"/>
+              </a:solidFill>
+              <a:latin typeface="Microsoft JhengHei" panose="020B0604030504040204" pitchFamily="34" charset="-120"/>
+              <a:ea typeface="Microsoft JhengHei" panose="020B0604030504040204" pitchFamily="34" charset="-120"/>
+            </a:endParaRPr>
+          </a:p>
+        </p:txBody>
+      </p:sp>
+    </p:spTree>
+    <p:extLst>
+      <p:ext uri="{BB962C8B-B14F-4D97-AF65-F5344CB8AC3E}">
+        <p14:creationId xmlns:p14="http://schemas.microsoft.com/office/powerpoint/2010/main" val="2787519640"/>
+      </p:ext>
+    </p:extLst>
+  </p:cSld>
+  <p:clrMapOvr>
+    <a:masterClrMapping/>
+  </p:clrMapOvr>
+</p:sld>
+</file>
+
+<file path=ppt/slides/slide9.xml><?xml version="1.0" encoding="utf-8"?>
+<p:sld xmlns:a="http://schemas.openxmlformats.org/drawingml/2006/main" xmlns:r="http://schemas.openxmlformats.org/officeDocument/2006/relationships" xmlns:p="http://schemas.openxmlformats.org/presentationml/2006/main">
+  <p:cSld>
+    <p:spTree>
+      <p:nvGrpSpPr>
+        <p:cNvPr id="1" name=""/>
+        <p:cNvGrpSpPr/>
+        <p:nvPr/>
+      </p:nvGrpSpPr>
+      <p:grpSpPr>
+        <a:xfrm>
+          <a:off x="0" y="0"/>
+          <a:ext cx="0" cy="0"/>
+          <a:chOff x="0" y="0"/>
+          <a:chExt cx="0" cy="0"/>
+        </a:xfrm>
+      </p:grpSpPr>
+      <p:sp>
+        <p:nvSpPr>
+          <p:cNvPr id="5" name="內容版面配置區 4"/>
+          <p:cNvSpPr>
+            <a:spLocks noGrp="1"/>
+          </p:cNvSpPr>
+          <p:nvPr>
+            <p:ph idx="1"/>
+          </p:nvPr>
+        </p:nvSpPr>
+        <p:spPr>
+          <a:xfrm>
+            <a:off x="0" y="2084851"/>
+            <a:ext cx="12192000" cy="2404863"/>
+          </a:xfrm>
+        </p:spPr>
+        <p:txBody>
+          <a:bodyPr anchor="ctr">
+            <a:normAutofit/>
+          </a:bodyPr>
+          <a:lstStyle/>
+          <a:p>
+            <a:pPr marL="0" indent="0" algn="ctr">
+              <a:buNone/>
+            </a:pPr>
+            <a:r>
+              <a:rPr lang="zh-TW" altLang="en-US" sz="6400" b="1" dirty="0">
+                <a:solidFill>
+                  <a:srgbClr val="000066"/>
+                </a:solidFill>
                 <a:latin typeface="Microsoft JhengHei" panose="020B0604030504040204" pitchFamily="34" charset="-120"/>
                 <a:ea typeface="Microsoft JhengHei" panose="020B0604030504040204" pitchFamily="34" charset="-120"/>
               </a:rPr>
-              <a:t>用信心等候</a:t>
-            </a:r>
-            <a:endParaRPr lang="vi-VN" sz="5400" b="1" dirty="0">
+              <a:t>走出了憂鬱</a:t>
+            </a:r>
+            <a:r>
+              <a:rPr lang="en-US" altLang="zh-TW" sz="6400" b="1" dirty="0">
+                <a:solidFill>
+                  <a:srgbClr val="000066"/>
+                </a:solidFill>
+                <a:latin typeface="Microsoft JhengHei" panose="020B0604030504040204" pitchFamily="34" charset="-120"/>
+                <a:ea typeface="Microsoft JhengHei" panose="020B0604030504040204" pitchFamily="34" charset="-120"/>
+              </a:rPr>
+              <a:t>  </a:t>
+            </a:r>
+            <a:r>
+              <a:rPr lang="zh-TW" altLang="en-US" sz="6400" b="1" dirty="0">
+                <a:solidFill>
+                  <a:srgbClr val="000066"/>
+                </a:solidFill>
+                <a:latin typeface="Microsoft JhengHei" panose="020B0604030504040204" pitchFamily="34" charset="-120"/>
+                <a:ea typeface="Microsoft JhengHei" panose="020B0604030504040204" pitchFamily="34" charset="-120"/>
+              </a:rPr>
+              <a:t>陰暗的角落</a:t>
+            </a:r>
+            <a:endParaRPr lang="en-US" altLang="zh-TW" sz="6400" b="1" dirty="0">
+              <a:solidFill>
+                <a:srgbClr val="000066"/>
+              </a:solidFill>
               <a:latin typeface="Microsoft JhengHei" panose="020B0604030504040204" pitchFamily="34" charset="-120"/>
               <a:ea typeface="Microsoft JhengHei" panose="020B0604030504040204" pitchFamily="34" charset="-120"/>
             </a:endParaRPr>
           </a:p>
+          <a:p>
+            <a:pPr marL="0" indent="0" algn="ctr">
+              <a:buNone/>
+            </a:pPr>
+            <a:r>
+              <a:rPr lang="zh-TW" altLang="en-US" sz="6400" b="1" dirty="0">
+                <a:solidFill>
+                  <a:srgbClr val="000066"/>
+                </a:solidFill>
+                <a:latin typeface="Microsoft JhengHei" panose="020B0604030504040204" pitchFamily="34" charset="-120"/>
+                <a:ea typeface="Microsoft JhengHei" panose="020B0604030504040204" pitchFamily="34" charset="-120"/>
+              </a:rPr>
+              <a:t>在祂的愛裡</a:t>
+            </a:r>
+            <a:r>
+              <a:rPr lang="en-US" altLang="zh-TW" sz="6400" b="1" dirty="0">
+                <a:solidFill>
+                  <a:srgbClr val="000066"/>
+                </a:solidFill>
+                <a:latin typeface="Microsoft JhengHei" panose="020B0604030504040204" pitchFamily="34" charset="-120"/>
+                <a:ea typeface="Microsoft JhengHei" panose="020B0604030504040204" pitchFamily="34" charset="-120"/>
+              </a:rPr>
+              <a:t>  </a:t>
+            </a:r>
+            <a:r>
+              <a:rPr lang="zh-TW" altLang="en-US" sz="6400" b="1" dirty="0">
+                <a:solidFill>
+                  <a:srgbClr val="000066"/>
+                </a:solidFill>
+                <a:latin typeface="Microsoft JhengHei" panose="020B0604030504040204" pitchFamily="34" charset="-120"/>
+                <a:ea typeface="Microsoft JhengHei" panose="020B0604030504040204" pitchFamily="34" charset="-120"/>
+              </a:rPr>
+              <a:t>我用信心等候</a:t>
+            </a:r>
+            <a:endParaRPr lang="vi-VN" sz="6400" b="1" dirty="0">
+              <a:solidFill>
+                <a:srgbClr val="000066"/>
+              </a:solidFill>
+              <a:latin typeface="Microsoft JhengHei" panose="020B0604030504040204" pitchFamily="34" charset="-120"/>
+              <a:ea typeface="Microsoft JhengHei" panose="020B0604030504040204" pitchFamily="34" charset="-120"/>
+            </a:endParaRPr>
+          </a:p>
         </p:txBody>
       </p:sp>
     </p:spTree>
     <p:extLst>
       <p:ext uri="{BB962C8B-B14F-4D97-AF65-F5344CB8AC3E}">
-        <p14:creationId xmlns:p14="http://schemas.microsoft.com/office/powerpoint/2010/main" val="2376065681"/>
+        <p14:creationId xmlns:p14="http://schemas.microsoft.com/office/powerpoint/2010/main" val="518920337"/>
       </p:ext>
     </p:extLst>
   </p:cSld>
